--- a/MongoDB .pptx
+++ b/MongoDB .pptx
@@ -5,21 +5,22 @@
     <p:sldMasterId id="2147483840" r:id="rId1"/>
   </p:sldMasterIdLst>
   <p:notesMasterIdLst>
-    <p:notesMasterId r:id="rId14"/>
+    <p:notesMasterId r:id="rId15"/>
   </p:notesMasterIdLst>
   <p:sldIdLst>
     <p:sldId id="256" r:id="rId2"/>
     <p:sldId id="257" r:id="rId3"/>
     <p:sldId id="259" r:id="rId4"/>
     <p:sldId id="261" r:id="rId5"/>
-    <p:sldId id="260" r:id="rId6"/>
-    <p:sldId id="264" r:id="rId7"/>
-    <p:sldId id="267" r:id="rId8"/>
-    <p:sldId id="265" r:id="rId9"/>
-    <p:sldId id="266" r:id="rId10"/>
-    <p:sldId id="268" r:id="rId11"/>
-    <p:sldId id="262" r:id="rId12"/>
-    <p:sldId id="263" r:id="rId13"/>
+    <p:sldId id="269" r:id="rId6"/>
+    <p:sldId id="260" r:id="rId7"/>
+    <p:sldId id="264" r:id="rId8"/>
+    <p:sldId id="267" r:id="rId9"/>
+    <p:sldId id="265" r:id="rId10"/>
+    <p:sldId id="266" r:id="rId11"/>
+    <p:sldId id="268" r:id="rId12"/>
+    <p:sldId id="262" r:id="rId13"/>
+    <p:sldId id="263" r:id="rId14"/>
   </p:sldIdLst>
   <p:sldSz cx="12192000" cy="6858000"/>
   <p:notesSz cx="6858000" cy="9144000"/>
@@ -630,7 +631,7 @@
           <a:p>
             <a:fld id="{1F1998C5-8453-4976-9F12-04EAF7E2CAFF}" type="slidenum">
               <a:rPr lang="de-DE" smtClean="0"/>
-              <a:t>12</a:t>
+              <a:t>13</a:t>
             </a:fld>
             <a:endParaRPr lang="de-DE"/>
           </a:p>
@@ -798,7 +799,7 @@
           <a:p>
             <a:fld id="{1F1998C5-8453-4976-9F12-04EAF7E2CAFF}" type="slidenum">
               <a:rPr lang="de-DE" smtClean="0"/>
-              <a:t>5</a:t>
+              <a:t>6</a:t>
             </a:fld>
             <a:endParaRPr lang="de-DE"/>
           </a:p>
@@ -882,7 +883,7 @@
           <a:p>
             <a:fld id="{1F1998C5-8453-4976-9F12-04EAF7E2CAFF}" type="slidenum">
               <a:rPr lang="de-DE" smtClean="0"/>
-              <a:t>6</a:t>
+              <a:t>7</a:t>
             </a:fld>
             <a:endParaRPr lang="de-DE"/>
           </a:p>
@@ -966,7 +967,7 @@
           <a:p>
             <a:fld id="{1F1998C5-8453-4976-9F12-04EAF7E2CAFF}" type="slidenum">
               <a:rPr lang="de-DE" smtClean="0"/>
-              <a:t>7</a:t>
+              <a:t>8</a:t>
             </a:fld>
             <a:endParaRPr lang="de-DE"/>
           </a:p>
@@ -1050,7 +1051,7 @@
           <a:p>
             <a:fld id="{1F1998C5-8453-4976-9F12-04EAF7E2CAFF}" type="slidenum">
               <a:rPr lang="de-DE" smtClean="0"/>
-              <a:t>8</a:t>
+              <a:t>9</a:t>
             </a:fld>
             <a:endParaRPr lang="de-DE"/>
           </a:p>
@@ -1134,7 +1135,7 @@
           <a:p>
             <a:fld id="{1F1998C5-8453-4976-9F12-04EAF7E2CAFF}" type="slidenum">
               <a:rPr lang="de-DE" smtClean="0"/>
-              <a:t>9</a:t>
+              <a:t>10</a:t>
             </a:fld>
             <a:endParaRPr lang="de-DE"/>
           </a:p>
@@ -1218,7 +1219,7 @@
           <a:p>
             <a:fld id="{1F1998C5-8453-4976-9F12-04EAF7E2CAFF}" type="slidenum">
               <a:rPr lang="de-DE" smtClean="0"/>
-              <a:t>10</a:t>
+              <a:t>11</a:t>
             </a:fld>
             <a:endParaRPr lang="de-DE"/>
           </a:p>
@@ -1302,7 +1303,7 @@
           <a:p>
             <a:fld id="{1F1998C5-8453-4976-9F12-04EAF7E2CAFF}" type="slidenum">
               <a:rPr lang="de-DE" smtClean="0"/>
-              <a:t>11</a:t>
+              <a:t>12</a:t>
             </a:fld>
             <a:endParaRPr lang="de-DE"/>
           </a:p>
@@ -4806,7 +4807,7 @@
           <p:cNvPr id="2" name="Titel 1">
             <a:extLst>
               <a:ext uri="{FF2B5EF4-FFF2-40B4-BE49-F238E27FC236}">
-                <a16:creationId xmlns:a16="http://schemas.microsoft.com/office/drawing/2014/main" id="{D11F1BD3-AD4D-1C80-1F21-3F267A1D8DC3}"/>
+                <a16:creationId xmlns:a16="http://schemas.microsoft.com/office/drawing/2014/main" id="{B1DA3D86-8374-04F7-1005-2F446A2318B8}"/>
               </a:ext>
             </a:extLst>
           </p:cNvPr>
@@ -4823,8 +4824,12 @@
           <a:lstStyle/>
           <a:p>
             <a:r>
+              <a:rPr lang="de-DE" dirty="0" err="1"/>
+              <a:t>Sharding</a:t>
+            </a:r>
+            <a:r>
               <a:rPr lang="de-DE" dirty="0"/>
-              <a:t>Nachteile von MongoDB</a:t>
+              <a:t> </a:t>
             </a:r>
           </a:p>
         </p:txBody>
@@ -4834,7 +4839,7 @@
           <p:cNvPr id="3" name="Inhaltsplatzhalter 2">
             <a:extLst>
               <a:ext uri="{FF2B5EF4-FFF2-40B4-BE49-F238E27FC236}">
-                <a16:creationId xmlns:a16="http://schemas.microsoft.com/office/drawing/2014/main" id="{B2DCD841-55D1-2D96-E59A-407549BEB89B}"/>
+                <a16:creationId xmlns:a16="http://schemas.microsoft.com/office/drawing/2014/main" id="{8559104D-FBBF-4D69-7254-6A93E1B0066B}"/>
               </a:ext>
             </a:extLst>
           </p:cNvPr>
@@ -4852,13 +4857,19 @@
           <a:p>
             <a:r>
               <a:rPr lang="de-DE" dirty="0"/>
-              <a:t>Hohe Komplexität</a:t>
+              <a:t>Daten auf mehrere Server verteilen </a:t>
             </a:r>
           </a:p>
           <a:p>
             <a:r>
               <a:rPr lang="de-DE" dirty="0"/>
-              <a:t>Größerer Speicherbedarf </a:t>
+              <a:t>Jeder Server ist ein unabhängiger MongoDB-Server</a:t>
+            </a:r>
+          </a:p>
+          <a:p>
+            <a:r>
+              <a:rPr lang="de-DE" dirty="0"/>
+              <a:t>Router verarbeitet Abfragen </a:t>
             </a:r>
           </a:p>
           <a:p>
@@ -4869,7 +4880,7 @@
     </p:spTree>
     <p:extLst>
       <p:ext uri="{BB962C8B-B14F-4D97-AF65-F5344CB8AC3E}">
-        <p14:creationId xmlns:p14="http://schemas.microsoft.com/office/powerpoint/2010/main" val="546390996"/>
+        <p14:creationId xmlns:p14="http://schemas.microsoft.com/office/powerpoint/2010/main" val="1173610904"/>
       </p:ext>
     </p:extLst>
   </p:cSld>
@@ -4901,6 +4912,101 @@
           <p:cNvPr id="2" name="Titel 1">
             <a:extLst>
               <a:ext uri="{FF2B5EF4-FFF2-40B4-BE49-F238E27FC236}">
+                <a16:creationId xmlns:a16="http://schemas.microsoft.com/office/drawing/2014/main" id="{D11F1BD3-AD4D-1C80-1F21-3F267A1D8DC3}"/>
+              </a:ext>
+            </a:extLst>
+          </p:cNvPr>
+          <p:cNvSpPr>
+            <a:spLocks noGrp="1"/>
+          </p:cNvSpPr>
+          <p:nvPr>
+            <p:ph type="title"/>
+          </p:nvPr>
+        </p:nvSpPr>
+        <p:spPr/>
+        <p:txBody>
+          <a:bodyPr/>
+          <a:lstStyle/>
+          <a:p>
+            <a:r>
+              <a:rPr lang="de-DE" dirty="0"/>
+              <a:t>Nachteile von MongoDB</a:t>
+            </a:r>
+          </a:p>
+        </p:txBody>
+      </p:sp>
+      <p:sp>
+        <p:nvSpPr>
+          <p:cNvPr id="3" name="Inhaltsplatzhalter 2">
+            <a:extLst>
+              <a:ext uri="{FF2B5EF4-FFF2-40B4-BE49-F238E27FC236}">
+                <a16:creationId xmlns:a16="http://schemas.microsoft.com/office/drawing/2014/main" id="{B2DCD841-55D1-2D96-E59A-407549BEB89B}"/>
+              </a:ext>
+            </a:extLst>
+          </p:cNvPr>
+          <p:cNvSpPr>
+            <a:spLocks noGrp="1"/>
+          </p:cNvSpPr>
+          <p:nvPr>
+            <p:ph idx="1"/>
+          </p:nvPr>
+        </p:nvSpPr>
+        <p:spPr/>
+        <p:txBody>
+          <a:bodyPr/>
+          <a:lstStyle/>
+          <a:p>
+            <a:r>
+              <a:rPr lang="de-DE" dirty="0"/>
+              <a:t>Hohe Komplexität</a:t>
+            </a:r>
+          </a:p>
+          <a:p>
+            <a:r>
+              <a:rPr lang="de-DE" dirty="0"/>
+              <a:t>Größerer Speicherbedarf </a:t>
+            </a:r>
+          </a:p>
+          <a:p>
+            <a:endParaRPr lang="de-DE" dirty="0"/>
+          </a:p>
+        </p:txBody>
+      </p:sp>
+    </p:spTree>
+    <p:extLst>
+      <p:ext uri="{BB962C8B-B14F-4D97-AF65-F5344CB8AC3E}">
+        <p14:creationId xmlns:p14="http://schemas.microsoft.com/office/powerpoint/2010/main" val="546390996"/>
+      </p:ext>
+    </p:extLst>
+  </p:cSld>
+  <p:clrMapOvr>
+    <a:masterClrMapping/>
+  </p:clrMapOvr>
+</p:sld>
+</file>
+
+<file path=ppt/slides/slide12.xml><?xml version="1.0" encoding="utf-8"?>
+<p:sld xmlns:a="http://schemas.openxmlformats.org/drawingml/2006/main" xmlns:r="http://schemas.openxmlformats.org/officeDocument/2006/relationships" xmlns:p="http://schemas.openxmlformats.org/presentationml/2006/main">
+  <p:cSld>
+    <p:spTree>
+      <p:nvGrpSpPr>
+        <p:cNvPr id="1" name=""/>
+        <p:cNvGrpSpPr/>
+        <p:nvPr/>
+      </p:nvGrpSpPr>
+      <p:grpSpPr>
+        <a:xfrm>
+          <a:off x="0" y="0"/>
+          <a:ext cx="0" cy="0"/>
+          <a:chOff x="0" y="0"/>
+          <a:chExt cx="0" cy="0"/>
+        </a:xfrm>
+      </p:grpSpPr>
+      <p:sp>
+        <p:nvSpPr>
+          <p:cNvPr id="2" name="Titel 1">
+            <a:extLst>
+              <a:ext uri="{FF2B5EF4-FFF2-40B4-BE49-F238E27FC236}">
                 <a16:creationId xmlns:a16="http://schemas.microsoft.com/office/drawing/2014/main" id="{564386DF-7A12-DCDE-758F-ED4981A66888}"/>
               </a:ext>
             </a:extLst>
@@ -4983,7 +5089,7 @@
 </p:sld>
 </file>
 
-<file path=ppt/slides/slide12.xml><?xml version="1.0" encoding="utf-8"?>
+<file path=ppt/slides/slide13.xml><?xml version="1.0" encoding="utf-8"?>
 <p:sld xmlns:a="http://schemas.openxmlformats.org/drawingml/2006/main" xmlns:r="http://schemas.openxmlformats.org/officeDocument/2006/relationships" xmlns:p="http://schemas.openxmlformats.org/presentationml/2006/main">
   <p:cSld>
     <p:spTree>
@@ -5387,6 +5493,178 @@
 <file path=ppt/slides/slide5.xml><?xml version="1.0" encoding="utf-8"?>
 <p:sld xmlns:a="http://schemas.openxmlformats.org/drawingml/2006/main" xmlns:r="http://schemas.openxmlformats.org/officeDocument/2006/relationships" xmlns:p="http://schemas.openxmlformats.org/presentationml/2006/main">
   <p:cSld>
+    <p:spTree>
+      <p:nvGrpSpPr>
+        <p:cNvPr id="1" name=""/>
+        <p:cNvGrpSpPr/>
+        <p:nvPr/>
+      </p:nvGrpSpPr>
+      <p:grpSpPr>
+        <a:xfrm>
+          <a:off x="0" y="0"/>
+          <a:ext cx="0" cy="0"/>
+          <a:chOff x="0" y="0"/>
+          <a:chExt cx="0" cy="0"/>
+        </a:xfrm>
+      </p:grpSpPr>
+      <p:sp>
+        <p:nvSpPr>
+          <p:cNvPr id="4" name="Titel 3">
+            <a:extLst>
+              <a:ext uri="{FF2B5EF4-FFF2-40B4-BE49-F238E27FC236}">
+                <a16:creationId xmlns:a16="http://schemas.microsoft.com/office/drawing/2014/main" id="{2A9C89CB-A96B-CDC4-B998-249F06BB1AE2}"/>
+              </a:ext>
+            </a:extLst>
+          </p:cNvPr>
+          <p:cNvSpPr>
+            <a:spLocks noGrp="1"/>
+          </p:cNvSpPr>
+          <p:nvPr>
+            <p:ph type="title"/>
+          </p:nvPr>
+        </p:nvSpPr>
+        <p:spPr/>
+        <p:txBody>
+          <a:bodyPr/>
+          <a:lstStyle/>
+          <a:p>
+            <a:r>
+              <a:rPr lang="de-DE" dirty="0"/>
+              <a:t>Vergleich</a:t>
+            </a:r>
+          </a:p>
+        </p:txBody>
+      </p:sp>
+      <p:sp>
+        <p:nvSpPr>
+          <p:cNvPr id="5" name="Textplatzhalter 4">
+            <a:extLst>
+              <a:ext uri="{FF2B5EF4-FFF2-40B4-BE49-F238E27FC236}">
+                <a16:creationId xmlns:a16="http://schemas.microsoft.com/office/drawing/2014/main" id="{2CBB2EA3-9659-6985-0DAE-B80235131559}"/>
+              </a:ext>
+            </a:extLst>
+          </p:cNvPr>
+          <p:cNvSpPr>
+            <a:spLocks noGrp="1"/>
+          </p:cNvSpPr>
+          <p:nvPr>
+            <p:ph type="body" idx="1"/>
+          </p:nvPr>
+        </p:nvSpPr>
+        <p:spPr/>
+        <p:txBody>
+          <a:bodyPr/>
+          <a:lstStyle/>
+          <a:p>
+            <a:r>
+              <a:rPr lang="de-DE" dirty="0"/>
+              <a:t>Traditionellen relationalen Datenbank</a:t>
+            </a:r>
+          </a:p>
+        </p:txBody>
+      </p:sp>
+      <p:pic>
+        <p:nvPicPr>
+          <p:cNvPr id="12" name="Inhaltsplatzhalter 11">
+            <a:extLst>
+              <a:ext uri="{FF2B5EF4-FFF2-40B4-BE49-F238E27FC236}">
+                <a16:creationId xmlns:a16="http://schemas.microsoft.com/office/drawing/2014/main" id="{709F9534-8A5D-A67F-7343-131BF65FA200}"/>
+              </a:ext>
+            </a:extLst>
+          </p:cNvPr>
+          <p:cNvPicPr>
+            <a:picLocks noGrp="1" noChangeAspect="1"/>
+          </p:cNvPicPr>
+          <p:nvPr>
+            <p:ph sz="half" idx="2"/>
+          </p:nvPr>
+        </p:nvPicPr>
+        <p:blipFill>
+          <a:blip r:embed="rId2"/>
+          <a:stretch>
+            <a:fillRect/>
+          </a:stretch>
+        </p:blipFill>
+        <p:spPr>
+          <a:xfrm>
+            <a:off x="731151" y="3822853"/>
+            <a:ext cx="5377041" cy="830139"/>
+          </a:xfrm>
+        </p:spPr>
+      </p:pic>
+      <p:sp>
+        <p:nvSpPr>
+          <p:cNvPr id="8" name="Textplatzhalter 7">
+            <a:extLst>
+              <a:ext uri="{FF2B5EF4-FFF2-40B4-BE49-F238E27FC236}">
+                <a16:creationId xmlns:a16="http://schemas.microsoft.com/office/drawing/2014/main" id="{E63EBB18-FCD8-4215-3215-E8C617161603}"/>
+              </a:ext>
+            </a:extLst>
+          </p:cNvPr>
+          <p:cNvSpPr>
+            <a:spLocks noGrp="1"/>
+          </p:cNvSpPr>
+          <p:nvPr>
+            <p:ph type="body" sz="quarter" idx="13"/>
+          </p:nvPr>
+        </p:nvSpPr>
+        <p:spPr/>
+        <p:txBody>
+          <a:bodyPr/>
+          <a:lstStyle/>
+          <a:p>
+            <a:r>
+              <a:rPr lang="de-DE" dirty="0"/>
+              <a:t>MongoDB</a:t>
+            </a:r>
+          </a:p>
+        </p:txBody>
+      </p:sp>
+      <p:pic>
+        <p:nvPicPr>
+          <p:cNvPr id="10" name="Inhaltsplatzhalter 9">
+            <a:extLst>
+              <a:ext uri="{FF2B5EF4-FFF2-40B4-BE49-F238E27FC236}">
+                <a16:creationId xmlns:a16="http://schemas.microsoft.com/office/drawing/2014/main" id="{AC39D518-2C1F-8C87-5FD8-27C4D9CAE5AB}"/>
+              </a:ext>
+            </a:extLst>
+          </p:cNvPr>
+          <p:cNvPicPr>
+            <a:picLocks noGrp="1" noChangeAspect="1"/>
+          </p:cNvPicPr>
+          <p:nvPr>
+            <p:ph sz="quarter" idx="4"/>
+          </p:nvPr>
+        </p:nvPicPr>
+        <p:blipFill>
+          <a:blip r:embed="rId3"/>
+          <a:stretch>
+            <a:fillRect/>
+          </a:stretch>
+        </p:blipFill>
+        <p:spPr>
+          <a:xfrm>
+            <a:off x="6580573" y="3432947"/>
+            <a:ext cx="3572374" cy="1609950"/>
+          </a:xfrm>
+        </p:spPr>
+      </p:pic>
+    </p:spTree>
+    <p:extLst>
+      <p:ext uri="{BB962C8B-B14F-4D97-AF65-F5344CB8AC3E}">
+        <p14:creationId xmlns:p14="http://schemas.microsoft.com/office/powerpoint/2010/main" val="2891074062"/>
+      </p:ext>
+    </p:extLst>
+  </p:cSld>
+  <p:clrMapOvr>
+    <a:masterClrMapping/>
+  </p:clrMapOvr>
+</p:sld>
+</file>
+
+<file path=ppt/slides/slide6.xml><?xml version="1.0" encoding="utf-8"?>
+<p:sld xmlns:a="http://schemas.openxmlformats.org/drawingml/2006/main" xmlns:r="http://schemas.openxmlformats.org/officeDocument/2006/relationships" xmlns:p="http://schemas.openxmlformats.org/presentationml/2006/main">
+  <p:cSld>
     <p:bg>
       <p:bgPr>
         <a:solidFill>
@@ -5507,7 +5785,7 @@
 </p:sld>
 </file>
 
-<file path=ppt/slides/slide6.xml><?xml version="1.0" encoding="utf-8"?>
+<file path=ppt/slides/slide7.xml><?xml version="1.0" encoding="utf-8"?>
 <p:sld xmlns:a="http://schemas.openxmlformats.org/drawingml/2006/main" xmlns:r="http://schemas.openxmlformats.org/officeDocument/2006/relationships" xmlns:p="http://schemas.openxmlformats.org/presentationml/2006/main">
   <p:cSld>
     <p:spTree>
@@ -5597,113 +5875,6 @@
 </p:sld>
 </file>
 
-<file path=ppt/slides/slide7.xml><?xml version="1.0" encoding="utf-8"?>
-<p:sld xmlns:a="http://schemas.openxmlformats.org/drawingml/2006/main" xmlns:r="http://schemas.openxmlformats.org/officeDocument/2006/relationships" xmlns:p="http://schemas.openxmlformats.org/presentationml/2006/main">
-  <p:cSld>
-    <p:spTree>
-      <p:nvGrpSpPr>
-        <p:cNvPr id="1" name=""/>
-        <p:cNvGrpSpPr/>
-        <p:nvPr/>
-      </p:nvGrpSpPr>
-      <p:grpSpPr>
-        <a:xfrm>
-          <a:off x="0" y="0"/>
-          <a:ext cx="0" cy="0"/>
-          <a:chOff x="0" y="0"/>
-          <a:chExt cx="0" cy="0"/>
-        </a:xfrm>
-      </p:grpSpPr>
-      <p:sp>
-        <p:nvSpPr>
-          <p:cNvPr id="2" name="Titel 1">
-            <a:extLst>
-              <a:ext uri="{FF2B5EF4-FFF2-40B4-BE49-F238E27FC236}">
-                <a16:creationId xmlns:a16="http://schemas.microsoft.com/office/drawing/2014/main" id="{49B65D6B-53AA-95A9-C071-793569EE30DD}"/>
-              </a:ext>
-            </a:extLst>
-          </p:cNvPr>
-          <p:cNvSpPr>
-            <a:spLocks noGrp="1"/>
-          </p:cNvSpPr>
-          <p:nvPr>
-            <p:ph type="title"/>
-          </p:nvPr>
-        </p:nvSpPr>
-        <p:spPr/>
-        <p:txBody>
-          <a:bodyPr/>
-          <a:lstStyle/>
-          <a:p>
-            <a:r>
-              <a:rPr lang="de-DE" dirty="0"/>
-              <a:t>Vorteile von MongoDB </a:t>
-            </a:r>
-          </a:p>
-        </p:txBody>
-      </p:sp>
-      <p:sp>
-        <p:nvSpPr>
-          <p:cNvPr id="3" name="Inhaltsplatzhalter 2">
-            <a:extLst>
-              <a:ext uri="{FF2B5EF4-FFF2-40B4-BE49-F238E27FC236}">
-                <a16:creationId xmlns:a16="http://schemas.microsoft.com/office/drawing/2014/main" id="{0517AAA6-D3A9-58DE-52DC-4E128670D4DD}"/>
-              </a:ext>
-            </a:extLst>
-          </p:cNvPr>
-          <p:cNvSpPr>
-            <a:spLocks noGrp="1"/>
-          </p:cNvSpPr>
-          <p:nvPr>
-            <p:ph idx="1"/>
-          </p:nvPr>
-        </p:nvSpPr>
-        <p:spPr/>
-        <p:txBody>
-          <a:bodyPr/>
-          <a:lstStyle/>
-          <a:p>
-            <a:r>
-              <a:rPr lang="de-DE" dirty="0"/>
-              <a:t>Skalierbarkeit</a:t>
-            </a:r>
-          </a:p>
-          <a:p>
-            <a:r>
-              <a:rPr lang="de-DE" dirty="0"/>
-              <a:t>Flexibilität </a:t>
-            </a:r>
-          </a:p>
-          <a:p>
-            <a:r>
-              <a:rPr lang="de-DE" dirty="0"/>
-              <a:t>Echtzeit-Updates </a:t>
-            </a:r>
-          </a:p>
-          <a:p>
-            <a:r>
-              <a:rPr lang="de-DE" dirty="0"/>
-              <a:t>Geschwindigkeit </a:t>
-            </a:r>
-          </a:p>
-          <a:p>
-            <a:endParaRPr lang="de-DE" dirty="0"/>
-          </a:p>
-        </p:txBody>
-      </p:sp>
-    </p:spTree>
-    <p:extLst>
-      <p:ext uri="{BB962C8B-B14F-4D97-AF65-F5344CB8AC3E}">
-        <p14:creationId xmlns:p14="http://schemas.microsoft.com/office/powerpoint/2010/main" val="3442432632"/>
-      </p:ext>
-    </p:extLst>
-  </p:cSld>
-  <p:clrMapOvr>
-    <a:masterClrMapping/>
-  </p:clrMapOvr>
-</p:sld>
-</file>
-
 <file path=ppt/slides/slide8.xml><?xml version="1.0" encoding="utf-8"?>
 <p:sld xmlns:a="http://schemas.openxmlformats.org/drawingml/2006/main" xmlns:r="http://schemas.openxmlformats.org/officeDocument/2006/relationships" xmlns:p="http://schemas.openxmlformats.org/presentationml/2006/main">
   <p:cSld>
@@ -5726,7 +5897,7 @@
           <p:cNvPr id="2" name="Titel 1">
             <a:extLst>
               <a:ext uri="{FF2B5EF4-FFF2-40B4-BE49-F238E27FC236}">
-                <a16:creationId xmlns:a16="http://schemas.microsoft.com/office/drawing/2014/main" id="{7054135C-F48A-D820-CA1A-2188AB7CFFA6}"/>
+                <a16:creationId xmlns:a16="http://schemas.microsoft.com/office/drawing/2014/main" id="{49B65D6B-53AA-95A9-C071-793569EE30DD}"/>
               </a:ext>
             </a:extLst>
           </p:cNvPr>
@@ -5744,7 +5915,7 @@
           <a:p>
             <a:r>
               <a:rPr lang="de-DE" dirty="0"/>
-              <a:t>Indexierung</a:t>
+              <a:t>Vorteile von MongoDB </a:t>
             </a:r>
           </a:p>
         </p:txBody>
@@ -5754,7 +5925,7 @@
           <p:cNvPr id="3" name="Inhaltsplatzhalter 2">
             <a:extLst>
               <a:ext uri="{FF2B5EF4-FFF2-40B4-BE49-F238E27FC236}">
-                <a16:creationId xmlns:a16="http://schemas.microsoft.com/office/drawing/2014/main" id="{E2AFE516-0DA7-3BC6-4686-BD503F10C2A3}"/>
+                <a16:creationId xmlns:a16="http://schemas.microsoft.com/office/drawing/2014/main" id="{0517AAA6-D3A9-58DE-52DC-4E128670D4DD}"/>
               </a:ext>
             </a:extLst>
           </p:cNvPr>
@@ -5772,27 +5943,36 @@
           <a:p>
             <a:r>
               <a:rPr lang="de-DE" dirty="0"/>
-              <a:t>Erstellen von Indexe</a:t>
+              <a:t>Skalierbarkeit</a:t>
             </a:r>
           </a:p>
           <a:p>
             <a:r>
               <a:rPr lang="de-DE" dirty="0"/>
-              <a:t>Erhöht die Abfragegeschwindigkeit</a:t>
+              <a:t>Flexibilität </a:t>
             </a:r>
           </a:p>
           <a:p>
             <a:r>
               <a:rPr lang="de-DE" dirty="0"/>
-              <a:t>Können aus einem, mehrere, oder verschachtelten Feldern bestehen</a:t>
-            </a:r>
+              <a:t>Echtzeit-Updates </a:t>
+            </a:r>
+          </a:p>
+          <a:p>
+            <a:r>
+              <a:rPr lang="de-DE" dirty="0"/>
+              <a:t>Geschwindigkeit </a:t>
+            </a:r>
+          </a:p>
+          <a:p>
+            <a:endParaRPr lang="de-DE" dirty="0"/>
           </a:p>
         </p:txBody>
       </p:sp>
     </p:spTree>
     <p:extLst>
       <p:ext uri="{BB962C8B-B14F-4D97-AF65-F5344CB8AC3E}">
-        <p14:creationId xmlns:p14="http://schemas.microsoft.com/office/powerpoint/2010/main" val="2400071130"/>
+        <p14:creationId xmlns:p14="http://schemas.microsoft.com/office/powerpoint/2010/main" val="3442432632"/>
       </p:ext>
     </p:extLst>
   </p:cSld>
@@ -5824,7 +6004,7 @@
           <p:cNvPr id="2" name="Titel 1">
             <a:extLst>
               <a:ext uri="{FF2B5EF4-FFF2-40B4-BE49-F238E27FC236}">
-                <a16:creationId xmlns:a16="http://schemas.microsoft.com/office/drawing/2014/main" id="{B1DA3D86-8374-04F7-1005-2F446A2318B8}"/>
+                <a16:creationId xmlns:a16="http://schemas.microsoft.com/office/drawing/2014/main" id="{7054135C-F48A-D820-CA1A-2188AB7CFFA6}"/>
               </a:ext>
             </a:extLst>
           </p:cNvPr>
@@ -5841,12 +6021,8 @@
           <a:lstStyle/>
           <a:p>
             <a:r>
-              <a:rPr lang="de-DE" dirty="0" err="1"/>
-              <a:t>Sharding</a:t>
-            </a:r>
-            <a:r>
               <a:rPr lang="de-DE" dirty="0"/>
-              <a:t> </a:t>
+              <a:t>Indexierung</a:t>
             </a:r>
           </a:p>
         </p:txBody>
@@ -5856,7 +6032,7 @@
           <p:cNvPr id="3" name="Inhaltsplatzhalter 2">
             <a:extLst>
               <a:ext uri="{FF2B5EF4-FFF2-40B4-BE49-F238E27FC236}">
-                <a16:creationId xmlns:a16="http://schemas.microsoft.com/office/drawing/2014/main" id="{8559104D-FBBF-4D69-7254-6A93E1B0066B}"/>
+                <a16:creationId xmlns:a16="http://schemas.microsoft.com/office/drawing/2014/main" id="{E2AFE516-0DA7-3BC6-4686-BD503F10C2A3}"/>
               </a:ext>
             </a:extLst>
           </p:cNvPr>
@@ -5874,30 +6050,27 @@
           <a:p>
             <a:r>
               <a:rPr lang="de-DE" dirty="0"/>
-              <a:t>Daten auf mehrere Server verteilen </a:t>
+              <a:t>Erstellen von Indexe</a:t>
             </a:r>
           </a:p>
           <a:p>
             <a:r>
               <a:rPr lang="de-DE" dirty="0"/>
-              <a:t>Jeder Server ist ein unabhängiger MongoDB-Server</a:t>
+              <a:t>Erhöht die Abfragegeschwindigkeit</a:t>
             </a:r>
           </a:p>
           <a:p>
             <a:r>
               <a:rPr lang="de-DE" dirty="0"/>
-              <a:t>Router verarbeitet Abfragen </a:t>
-            </a:r>
-          </a:p>
-          <a:p>
-            <a:endParaRPr lang="de-DE" dirty="0"/>
+              <a:t>Können aus einem, mehrere, oder verschachtelten Feldern bestehen</a:t>
+            </a:r>
           </a:p>
         </p:txBody>
       </p:sp>
     </p:spTree>
     <p:extLst>
       <p:ext uri="{BB962C8B-B14F-4D97-AF65-F5344CB8AC3E}">
-        <p14:creationId xmlns:p14="http://schemas.microsoft.com/office/powerpoint/2010/main" val="1173610904"/>
+        <p14:creationId xmlns:p14="http://schemas.microsoft.com/office/powerpoint/2010/main" val="2400071130"/>
       </p:ext>
     </p:extLst>
   </p:cSld>
